--- a/Scientist.net.pptx
+++ b/Scientist.net.pptx
@@ -7,7 +7,7 @@
   <p:sldIdLst>
     <p:sldId id="256" r:id="rId2"/>
     <p:sldId id="257" r:id="rId3"/>
-    <p:sldId id="259" r:id="rId4"/>
+    <p:sldId id="258" r:id="rId4"/>
   </p:sldIdLst>
   <p:sldSz cx="12192000" cy="6858000"/>
   <p:notesSz cx="6858000" cy="9144000"/>
@@ -112,14 +112,6 @@
     </p:ext>
   </p:extLst>
 </p:presentation>
-</file>
-
-<file path=ppt/revisionInfo.xml><?xml version="1.0" encoding="utf-8"?>
-<p1510:revInfo xmlns:a="http://schemas.openxmlformats.org/drawingml/2006/main" xmlns:r="http://schemas.openxmlformats.org/officeDocument/2006/relationships" xmlns:p1510="http://schemas.microsoft.com/office/powerpoint/2015/10/main">
-  <p1510:revLst>
-    <p1510:client id="{C2969FF3-7364-4CC0-926A-0C764D9A18C8}" v="26" dt="2019-04-08T21:42:27.656"/>
-  </p1510:revLst>
-</p1510:revInfo>
 </file>
 
 <file path=ppt/slideLayouts/slideLayout1.xml><?xml version="1.0" encoding="utf-8"?>
@@ -6626,6 +6618,12 @@
           <a:p>
             <a:r>
               <a:rPr lang="en-GB" sz="2800" dirty="0"/>
+              <a:t>Simple &amp; Quick to implement</a:t>
+            </a:r>
+          </a:p>
+          <a:p>
+            <a:r>
+              <a:rPr lang="en-GB" sz="2800" dirty="0"/>
               <a:t>Adds extra confidence</a:t>
             </a:r>
           </a:p>
@@ -6640,12 +6638,6 @@
             <a:r>
               <a:rPr lang="en-GB" sz="2800" dirty="0"/>
               <a:t>Run New vs Old in parallel safely in production environments</a:t>
-            </a:r>
-          </a:p>
-          <a:p>
-            <a:r>
-              <a:rPr lang="en-GB" sz="2800" dirty="0"/>
-              <a:t>Simple &amp; Quick to implement</a:t>
             </a:r>
           </a:p>
           <a:p>
@@ -6783,10 +6775,9 @@
           </a:lstStyle>
           <a:p>
             <a:r>
-              <a:rPr lang="en-GB"/>
+              <a:rPr lang="en-GB" dirty="0"/>
               <a:t>Cons</a:t>
             </a:r>
-            <a:endParaRPr lang="en-GB" dirty="0"/>
           </a:p>
         </p:txBody>
       </p:sp>
@@ -7243,15 +7234,33 @@
                                   </p:childTnLst>
                                 </p:cTn>
                               </p:par>
+                            </p:childTnLst>
+                          </p:cTn>
+                        </p:par>
+                      </p:childTnLst>
+                    </p:cTn>
+                  </p:par>
+                  <p:par>
+                    <p:cTn id="7" fill="hold">
+                      <p:stCondLst>
+                        <p:cond delay="indefinite"/>
+                      </p:stCondLst>
+                      <p:childTnLst>
+                        <p:par>
+                          <p:cTn id="8" fill="hold">
+                            <p:stCondLst>
+                              <p:cond delay="0"/>
+                            </p:stCondLst>
+                            <p:childTnLst>
                               <p:par>
-                                <p:cTn id="7" presetID="1" presetClass="entr" presetSubtype="0" fill="hold" grpId="0" nodeType="withEffect">
+                                <p:cTn id="9" presetID="1" presetClass="entr" presetSubtype="0" fill="hold" grpId="0" nodeType="clickEffect">
                                   <p:stCondLst>
                                     <p:cond delay="0"/>
                                   </p:stCondLst>
                                   <p:childTnLst>
                                     <p:set>
                                       <p:cBhvr>
-                                        <p:cTn id="8" dur="1" fill="hold">
+                                        <p:cTn id="10" dur="1" fill="hold">
                                           <p:stCondLst>
                                             <p:cond delay="0"/>
                                           </p:stCondLst>
@@ -7274,26 +7283,8 @@
                                   </p:childTnLst>
                                 </p:cTn>
                               </p:par>
-                            </p:childTnLst>
-                          </p:cTn>
-                        </p:par>
-                      </p:childTnLst>
-                    </p:cTn>
-                  </p:par>
-                  <p:par>
-                    <p:cTn id="9" fill="hold">
-                      <p:stCondLst>
-                        <p:cond delay="indefinite"/>
-                      </p:stCondLst>
-                      <p:childTnLst>
-                        <p:par>
-                          <p:cTn id="10" fill="hold">
-                            <p:stCondLst>
-                              <p:cond delay="0"/>
-                            </p:stCondLst>
-                            <p:childTnLst>
                               <p:par>
-                                <p:cTn id="11" presetID="1" presetClass="entr" presetSubtype="0" fill="hold" grpId="0" nodeType="clickEffect">
+                                <p:cTn id="11" presetID="1" presetClass="entr" presetSubtype="0" fill="hold" grpId="0" nodeType="withEffect">
                                   <p:stCondLst>
                                     <p:cond delay="0"/>
                                   </p:stCondLst>
@@ -7453,6 +7444,51 @@
                                           </p:stCondLst>
                                         </p:cTn>
                                         <p:tgtEl>
+                                          <p:spTgt spid="9"/>
+                                        </p:tgtEl>
+                                        <p:attrNameLst>
+                                          <p:attrName>style.visibility</p:attrName>
+                                        </p:attrNameLst>
+                                      </p:cBhvr>
+                                      <p:to>
+                                        <p:strVal val="visible"/>
+                                      </p:to>
+                                    </p:set>
+                                  </p:childTnLst>
+                                </p:cTn>
+                              </p:par>
+                            </p:childTnLst>
+                          </p:cTn>
+                        </p:par>
+                      </p:childTnLst>
+                    </p:cTn>
+                  </p:par>
+                  <p:par>
+                    <p:cTn id="25" fill="hold">
+                      <p:stCondLst>
+                        <p:cond delay="indefinite"/>
+                      </p:stCondLst>
+                      <p:childTnLst>
+                        <p:par>
+                          <p:cTn id="26" fill="hold">
+                            <p:stCondLst>
+                              <p:cond delay="0"/>
+                            </p:stCondLst>
+                            <p:childTnLst>
+                              <p:par>
+                                <p:cTn id="27" presetID="1" presetClass="entr" presetSubtype="0" fill="hold" grpId="0" nodeType="clickEffect">
+                                  <p:stCondLst>
+                                    <p:cond delay="0"/>
+                                  </p:stCondLst>
+                                  <p:childTnLst>
+                                    <p:set>
+                                      <p:cBhvr>
+                                        <p:cTn id="28" dur="1" fill="hold">
+                                          <p:stCondLst>
+                                            <p:cond delay="0"/>
+                                          </p:stCondLst>
+                                        </p:cTn>
+                                        <p:tgtEl>
                                           <p:spTgt spid="10"/>
                                         </p:tgtEl>
                                         <p:attrNameLst>
@@ -7495,6 +7531,7 @@
     </p:tnLst>
     <p:bldLst>
       <p:bldP spid="8" grpId="0" build="p"/>
+      <p:bldP spid="9" grpId="0"/>
       <p:bldP spid="10" grpId="0"/>
     </p:bldLst>
   </p:timing>
@@ -7523,7 +7560,7 @@
           <p:cNvPr id="2" name="Title 1">
             <a:extLst>
               <a:ext uri="{FF2B5EF4-FFF2-40B4-BE49-F238E27FC236}">
-                <a16:creationId xmlns:a16="http://schemas.microsoft.com/office/drawing/2014/main" id="{FE137042-8A35-4897-9485-E67E45321DA2}"/>
+                <a16:creationId xmlns:a16="http://schemas.microsoft.com/office/drawing/2014/main" id="{B69B2CB9-3147-4783-BF3B-6394B5546FE8}"/>
               </a:ext>
             </a:extLst>
           </p:cNvPr>
@@ -7531,13 +7568,13 @@
             <a:spLocks noGrp="1"/>
           </p:cNvSpPr>
           <p:nvPr>
-            <p:ph type="title"/>
+            <p:ph type="ctrTitle"/>
           </p:nvPr>
         </p:nvSpPr>
         <p:spPr>
           <a:xfrm>
-            <a:off x="4964835" y="1197921"/>
-            <a:ext cx="2262327" cy="970450"/>
+            <a:off x="1151425" y="1047565"/>
+            <a:ext cx="9440034" cy="1806607"/>
           </a:xfrm>
         </p:spPr>
         <p:txBody>
@@ -7547,428 +7584,134 @@
           <a:lstStyle/>
           <a:p>
             <a:r>
-              <a:rPr lang="en-GB" dirty="0"/>
-              <a:t>GitHub</a:t>
-            </a:r>
-          </a:p>
-        </p:txBody>
-      </p:sp>
-      <p:sp>
-        <p:nvSpPr>
-          <p:cNvPr id="8" name="Content Placeholder 2">
+              <a:rPr lang="en-GB" sz="8800" dirty="0"/>
+              <a:t>Scientist.net</a:t>
+            </a:r>
+          </a:p>
+        </p:txBody>
+      </p:sp>
+      <p:sp>
+        <p:nvSpPr>
+          <p:cNvPr id="3" name="Subtitle 2">
             <a:extLst>
               <a:ext uri="{FF2B5EF4-FFF2-40B4-BE49-F238E27FC236}">
-                <a16:creationId xmlns:a16="http://schemas.microsoft.com/office/drawing/2014/main" id="{C3EA1BED-CD62-4CA0-82B8-1326E1C928E4}"/>
+                <a16:creationId xmlns:a16="http://schemas.microsoft.com/office/drawing/2014/main" id="{9C06E9A9-A641-4CA7-A2F7-6BFD5E1EA146}"/>
               </a:ext>
             </a:extLst>
           </p:cNvPr>
-          <p:cNvSpPr txBox="1">
-            <a:spLocks/>
-          </p:cNvSpPr>
-          <p:nvPr/>
+          <p:cNvSpPr>
+            <a:spLocks noGrp="1"/>
+          </p:cNvSpPr>
+          <p:nvPr>
+            <p:ph type="subTitle" idx="1"/>
+          </p:nvPr>
         </p:nvSpPr>
         <p:spPr>
           <a:xfrm>
-            <a:off x="2137298" y="2920753"/>
-            <a:ext cx="7917403" cy="1171853"/>
+            <a:off x="4817615" y="4083729"/>
+            <a:ext cx="2556769" cy="1748900"/>
+          </a:xfrm>
+        </p:spPr>
+        <p:txBody>
+          <a:bodyPr>
+            <a:normAutofit/>
+          </a:bodyPr>
+          <a:lstStyle/>
+          <a:p>
+            <a:r>
+              <a:rPr lang="en-GB" sz="2400" dirty="0"/>
+              <a:t>@paulbreen</a:t>
+            </a:r>
+          </a:p>
+          <a:p>
+            <a:r>
+              <a:rPr lang="en-GB" sz="2400" dirty="0">
+                <a:hlinkClick r:id="rId2">
+                  <a:extLst>
+                    <a:ext uri="{A12FA001-AC4F-418D-AE19-62706E023703}">
+                      <ahyp:hlinkClr xmlns:ahyp="http://schemas.microsoft.com/office/drawing/2018/hyperlinkcolor" val="tx"/>
+                    </a:ext>
+                  </a:extLst>
+                </a:hlinkClick>
+              </a:rPr>
+              <a:t>www.breen.dev</a:t>
+            </a:r>
+            <a:endParaRPr lang="en-GB" sz="2400" dirty="0"/>
+          </a:p>
+          <a:p>
+            <a:r>
+              <a:rPr lang="en-GB" sz="2400" dirty="0" err="1">
+                <a:hlinkClick r:id="rId3">
+                  <a:extLst>
+                    <a:ext uri="{A12FA001-AC4F-418D-AE19-62706E023703}">
+                      <ahyp:hlinkClr xmlns:ahyp="http://schemas.microsoft.com/office/drawing/2018/hyperlinkcolor" val="tx"/>
+                    </a:ext>
+                  </a:extLst>
+                </a:hlinkClick>
+              </a:rPr>
+              <a:t>paul@breen.dev</a:t>
+            </a:r>
+            <a:endParaRPr lang="en-GB" sz="2400" dirty="0"/>
+          </a:p>
+          <a:p>
+            <a:endParaRPr lang="en-GB" sz="1800" dirty="0"/>
+          </a:p>
+          <a:p>
+            <a:endParaRPr lang="en-GB" sz="1800" dirty="0"/>
+          </a:p>
+          <a:p>
+            <a:endParaRPr lang="en-GB" sz="1800" dirty="0"/>
+          </a:p>
+        </p:txBody>
+      </p:sp>
+      <p:sp>
+        <p:nvSpPr>
+          <p:cNvPr id="4" name="TextBox 3">
+            <a:extLst>
+              <a:ext uri="{FF2B5EF4-FFF2-40B4-BE49-F238E27FC236}">
+                <a16:creationId xmlns:a16="http://schemas.microsoft.com/office/drawing/2014/main" id="{A37A7928-4737-482C-AB74-A133387CFB93}"/>
+              </a:ext>
+            </a:extLst>
+          </p:cNvPr>
+          <p:cNvSpPr txBox="1"/>
+          <p:nvPr/>
+        </p:nvSpPr>
+        <p:spPr>
+          <a:xfrm>
+            <a:off x="2345219" y="2967335"/>
+            <a:ext cx="7908383" cy="461665"/>
           </a:xfrm>
           <a:prstGeom prst="rect">
             <a:avLst/>
           </a:prstGeom>
-          <a:effectLst>
-            <a:outerShdw blurRad="25400" dir="17880000">
-              <a:srgbClr val="000000">
-                <a:alpha val="46000"/>
-              </a:srgbClr>
-            </a:outerShdw>
-          </a:effectLst>
+          <a:noFill/>
         </p:spPr>
         <p:txBody>
-          <a:bodyPr vert="horz" lIns="91440" tIns="45720" rIns="91440" bIns="45720" rtlCol="0" anchor="t">
-            <a:normAutofit lnSpcReduction="10000"/>
+          <a:bodyPr wrap="none" rtlCol="0">
+            <a:spAutoFit/>
           </a:bodyPr>
-          <a:lstStyle>
-            <a:lvl1pPr marL="342900" indent="-306000" algn="l" defTabSz="457200" rtl="0" eaLnBrk="1" latinLnBrk="0" hangingPunct="1">
-              <a:spcBef>
-                <a:spcPct val="20000"/>
-              </a:spcBef>
-              <a:spcAft>
-                <a:spcPts val="600"/>
-              </a:spcAft>
-              <a:buClr>
-                <a:schemeClr val="tx2"/>
-              </a:buClr>
-              <a:buSzPct val="70000"/>
-              <a:buFont typeface="Wingdings 2" charset="2"/>
-              <a:buChar char=""/>
-              <a:defRPr sz="2000" kern="1200">
-                <a:ln>
-                  <a:solidFill>
-                    <a:schemeClr val="bg1">
-                      <a:lumMod val="75000"/>
-                      <a:lumOff val="25000"/>
-                      <a:alpha val="10000"/>
-                    </a:schemeClr>
-                  </a:solidFill>
-                </a:ln>
-                <a:solidFill>
-                  <a:schemeClr val="tx2"/>
-                </a:solidFill>
-                <a:effectLst>
-                  <a:outerShdw blurRad="9525" dist="25400" dir="14640000" algn="tl" rotWithShape="0">
-                    <a:schemeClr val="bg1">
-                      <a:alpha val="30000"/>
-                    </a:schemeClr>
-                  </a:outerShdw>
-                </a:effectLst>
-                <a:latin typeface="+mn-lt"/>
-                <a:ea typeface="+mn-ea"/>
-                <a:cs typeface="+mn-cs"/>
-              </a:defRPr>
-            </a:lvl1pPr>
-            <a:lvl2pPr marL="720000" indent="-270000" algn="l" defTabSz="457200" rtl="0" eaLnBrk="1" latinLnBrk="0" hangingPunct="1">
-              <a:spcBef>
-                <a:spcPct val="20000"/>
-              </a:spcBef>
-              <a:spcAft>
-                <a:spcPts val="600"/>
-              </a:spcAft>
-              <a:buClr>
-                <a:schemeClr val="tx2"/>
-              </a:buClr>
-              <a:buSzPct val="70000"/>
-              <a:buFont typeface="Wingdings 2" charset="2"/>
-              <a:buChar char=""/>
-              <a:defRPr sz="1800" kern="1200">
-                <a:ln>
-                  <a:solidFill>
-                    <a:schemeClr val="bg1">
-                      <a:lumMod val="75000"/>
-                      <a:lumOff val="25000"/>
-                      <a:alpha val="10000"/>
-                    </a:schemeClr>
-                  </a:solidFill>
-                </a:ln>
-                <a:solidFill>
-                  <a:schemeClr val="tx2"/>
-                </a:solidFill>
-                <a:effectLst>
-                  <a:outerShdw blurRad="9525" dist="25400" dir="14640000" algn="tl" rotWithShape="0">
-                    <a:schemeClr val="bg1">
-                      <a:alpha val="30000"/>
-                    </a:schemeClr>
-                  </a:outerShdw>
-                </a:effectLst>
-                <a:latin typeface="+mn-lt"/>
-                <a:ea typeface="+mn-ea"/>
-                <a:cs typeface="+mn-cs"/>
-              </a:defRPr>
-            </a:lvl2pPr>
-            <a:lvl3pPr marL="1026000" indent="-216000" algn="l" defTabSz="457200" rtl="0" eaLnBrk="1" latinLnBrk="0" hangingPunct="1">
-              <a:spcBef>
-                <a:spcPct val="20000"/>
-              </a:spcBef>
-              <a:spcAft>
-                <a:spcPts val="600"/>
-              </a:spcAft>
-              <a:buClr>
-                <a:schemeClr val="tx2"/>
-              </a:buClr>
-              <a:buSzPct val="70000"/>
-              <a:buFont typeface="Wingdings 2" charset="2"/>
-              <a:buChar char=""/>
-              <a:defRPr sz="1600" kern="1200">
-                <a:ln>
-                  <a:solidFill>
-                    <a:schemeClr val="bg1">
-                      <a:lumMod val="75000"/>
-                      <a:lumOff val="25000"/>
-                      <a:alpha val="10000"/>
-                    </a:schemeClr>
-                  </a:solidFill>
-                </a:ln>
-                <a:solidFill>
-                  <a:schemeClr val="tx2"/>
-                </a:solidFill>
-                <a:effectLst>
-                  <a:outerShdw blurRad="9525" dist="25400" dir="14640000" algn="tl" rotWithShape="0">
-                    <a:schemeClr val="bg1">
-                      <a:alpha val="30000"/>
-                    </a:schemeClr>
-                  </a:outerShdw>
-                </a:effectLst>
-                <a:latin typeface="+mn-lt"/>
-                <a:ea typeface="+mn-ea"/>
-                <a:cs typeface="+mn-cs"/>
-              </a:defRPr>
-            </a:lvl3pPr>
-            <a:lvl4pPr marL="1386000" indent="-216000" algn="l" defTabSz="457200" rtl="0" eaLnBrk="1" latinLnBrk="0" hangingPunct="1">
-              <a:spcBef>
-                <a:spcPct val="20000"/>
-              </a:spcBef>
-              <a:spcAft>
-                <a:spcPts val="600"/>
-              </a:spcAft>
-              <a:buClr>
-                <a:schemeClr val="tx2"/>
-              </a:buClr>
-              <a:buSzPct val="70000"/>
-              <a:buFont typeface="Wingdings 2" charset="2"/>
-              <a:buChar char=""/>
-              <a:defRPr sz="1400" kern="1200">
-                <a:ln>
-                  <a:solidFill>
-                    <a:schemeClr val="bg1">
-                      <a:lumMod val="75000"/>
-                      <a:lumOff val="25000"/>
-                      <a:alpha val="10000"/>
-                    </a:schemeClr>
-                  </a:solidFill>
-                </a:ln>
-                <a:solidFill>
-                  <a:schemeClr val="tx2"/>
-                </a:solidFill>
-                <a:effectLst>
-                  <a:outerShdw blurRad="9525" dist="25400" dir="14640000" algn="tl" rotWithShape="0">
-                    <a:schemeClr val="bg1">
-                      <a:alpha val="30000"/>
-                    </a:schemeClr>
-                  </a:outerShdw>
-                </a:effectLst>
-                <a:latin typeface="+mn-lt"/>
-                <a:ea typeface="+mn-ea"/>
-                <a:cs typeface="+mn-cs"/>
-              </a:defRPr>
-            </a:lvl4pPr>
-            <a:lvl5pPr marL="1674000" indent="-216000" algn="l" defTabSz="457200" rtl="0" eaLnBrk="1" latinLnBrk="0" hangingPunct="1">
-              <a:spcBef>
-                <a:spcPct val="20000"/>
-              </a:spcBef>
-              <a:spcAft>
-                <a:spcPts val="600"/>
-              </a:spcAft>
-              <a:buClr>
-                <a:schemeClr val="tx2"/>
-              </a:buClr>
-              <a:buSzPct val="70000"/>
-              <a:buFont typeface="Wingdings 2" charset="2"/>
-              <a:buChar char=""/>
-              <a:defRPr sz="1400" kern="1200">
-                <a:ln>
-                  <a:solidFill>
-                    <a:schemeClr val="bg1">
-                      <a:lumMod val="75000"/>
-                      <a:lumOff val="25000"/>
-                      <a:alpha val="10000"/>
-                    </a:schemeClr>
-                  </a:solidFill>
-                </a:ln>
-                <a:solidFill>
-                  <a:schemeClr val="tx2"/>
-                </a:solidFill>
-                <a:effectLst>
-                  <a:outerShdw blurRad="9525" dist="25400" dir="14640000" algn="tl" rotWithShape="0">
-                    <a:schemeClr val="bg1">
-                      <a:alpha val="30000"/>
-                    </a:schemeClr>
-                  </a:outerShdw>
-                </a:effectLst>
-                <a:latin typeface="+mn-lt"/>
-                <a:ea typeface="+mn-ea"/>
-                <a:cs typeface="+mn-cs"/>
-              </a:defRPr>
-            </a:lvl5pPr>
-            <a:lvl6pPr marL="2014600" indent="-228600" algn="l" defTabSz="457200" rtl="0" eaLnBrk="1" latinLnBrk="0" hangingPunct="1">
-              <a:spcBef>
-                <a:spcPct val="20000"/>
-              </a:spcBef>
-              <a:spcAft>
-                <a:spcPts val="600"/>
-              </a:spcAft>
-              <a:buClr>
-                <a:schemeClr val="tx2"/>
-              </a:buClr>
-              <a:buSzPct val="70000"/>
-              <a:buFont typeface="Wingdings 2" charset="2"/>
-              <a:buChar char=""/>
-              <a:defRPr sz="1400" kern="1200">
-                <a:ln>
-                  <a:solidFill>
-                    <a:schemeClr val="bg1">
-                      <a:lumMod val="75000"/>
-                      <a:lumOff val="25000"/>
-                      <a:alpha val="10000"/>
-                    </a:schemeClr>
-                  </a:solidFill>
-                </a:ln>
-                <a:solidFill>
-                  <a:schemeClr val="tx2"/>
-                </a:solidFill>
-                <a:effectLst>
-                  <a:outerShdw blurRad="9525" dist="25400" dir="14640000" algn="tl" rotWithShape="0">
-                    <a:schemeClr val="bg1">
-                      <a:alpha val="30000"/>
-                    </a:schemeClr>
-                  </a:outerShdw>
-                </a:effectLst>
-                <a:latin typeface="+mn-lt"/>
-                <a:ea typeface="+mn-ea"/>
-                <a:cs typeface="+mn-cs"/>
-              </a:defRPr>
-            </a:lvl6pPr>
-            <a:lvl7pPr marL="2401800" indent="-228600" algn="l" defTabSz="457200" rtl="0" eaLnBrk="1" latinLnBrk="0" hangingPunct="1">
-              <a:spcBef>
-                <a:spcPct val="20000"/>
-              </a:spcBef>
-              <a:spcAft>
-                <a:spcPts val="600"/>
-              </a:spcAft>
-              <a:buClr>
-                <a:schemeClr val="tx2"/>
-              </a:buClr>
-              <a:buSzPct val="70000"/>
-              <a:buFont typeface="Wingdings 2" charset="2"/>
-              <a:buChar char=""/>
-              <a:defRPr sz="1400" kern="1200">
-                <a:ln>
-                  <a:solidFill>
-                    <a:schemeClr val="bg1">
-                      <a:lumMod val="75000"/>
-                      <a:lumOff val="25000"/>
-                      <a:alpha val="10000"/>
-                    </a:schemeClr>
-                  </a:solidFill>
-                </a:ln>
-                <a:solidFill>
-                  <a:schemeClr val="tx2"/>
-                </a:solidFill>
-                <a:effectLst>
-                  <a:outerShdw blurRad="9525" dist="25400" dir="14640000" algn="tl" rotWithShape="0">
-                    <a:schemeClr val="bg1">
-                      <a:alpha val="30000"/>
-                    </a:schemeClr>
-                  </a:outerShdw>
-                </a:effectLst>
-                <a:latin typeface="+mn-lt"/>
-                <a:ea typeface="+mn-ea"/>
-                <a:cs typeface="+mn-cs"/>
-              </a:defRPr>
-            </a:lvl7pPr>
-            <a:lvl8pPr marL="2789000" indent="-228600" algn="l" defTabSz="457200" rtl="0" eaLnBrk="1" latinLnBrk="0" hangingPunct="1">
-              <a:spcBef>
-                <a:spcPct val="20000"/>
-              </a:spcBef>
-              <a:spcAft>
-                <a:spcPts val="600"/>
-              </a:spcAft>
-              <a:buClr>
-                <a:schemeClr val="tx2"/>
-              </a:buClr>
-              <a:buSzPct val="70000"/>
-              <a:buFont typeface="Wingdings 2" charset="2"/>
-              <a:buChar char=""/>
-              <a:defRPr sz="1400" kern="1200">
-                <a:ln>
-                  <a:solidFill>
-                    <a:schemeClr val="bg1">
-                      <a:lumMod val="75000"/>
-                      <a:lumOff val="25000"/>
-                      <a:alpha val="10000"/>
-                    </a:schemeClr>
-                  </a:solidFill>
-                </a:ln>
-                <a:solidFill>
-                  <a:schemeClr val="tx2"/>
-                </a:solidFill>
-                <a:effectLst>
-                  <a:outerShdw blurRad="9525" dist="25400" dir="14640000" algn="tl" rotWithShape="0">
-                    <a:schemeClr val="bg1">
-                      <a:alpha val="30000"/>
-                    </a:schemeClr>
-                  </a:outerShdw>
-                </a:effectLst>
-                <a:latin typeface="+mn-lt"/>
-                <a:ea typeface="+mn-ea"/>
-                <a:cs typeface="+mn-cs"/>
-              </a:defRPr>
-            </a:lvl8pPr>
-            <a:lvl9pPr marL="3106200" indent="-228600" algn="l" defTabSz="457200" rtl="0" eaLnBrk="1" latinLnBrk="0" hangingPunct="1">
-              <a:spcBef>
-                <a:spcPct val="20000"/>
-              </a:spcBef>
-              <a:spcAft>
-                <a:spcPts val="600"/>
-              </a:spcAft>
-              <a:buClr>
-                <a:schemeClr val="tx2"/>
-              </a:buClr>
-              <a:buSzPct val="70000"/>
-              <a:buFont typeface="Wingdings 2" charset="2"/>
-              <a:buChar char=""/>
-              <a:defRPr sz="1400" kern="1200">
-                <a:ln>
-                  <a:solidFill>
-                    <a:schemeClr val="bg1">
-                      <a:lumMod val="75000"/>
-                      <a:lumOff val="25000"/>
-                      <a:alpha val="10000"/>
-                    </a:schemeClr>
-                  </a:solidFill>
-                </a:ln>
-                <a:solidFill>
-                  <a:schemeClr val="tx2"/>
-                </a:solidFill>
-                <a:effectLst>
-                  <a:outerShdw blurRad="9525" dist="25400" dir="14640000" algn="tl" rotWithShape="0">
-                    <a:schemeClr val="bg1">
-                      <a:alpha val="30000"/>
-                    </a:schemeClr>
-                  </a:outerShdw>
-                </a:effectLst>
-                <a:latin typeface="+mn-lt"/>
-                <a:ea typeface="+mn-ea"/>
-                <a:cs typeface="+mn-cs"/>
-              </a:defRPr>
-            </a:lvl9pPr>
-          </a:lstStyle>
-          <a:p>
-            <a:pPr marL="36900" indent="0">
-              <a:buNone/>
-            </a:pPr>
-            <a:endParaRPr lang="en-GB" sz="2800" dirty="0">
-              <a:hlinkClick r:id="rId2"/>
-            </a:endParaRPr>
-          </a:p>
-          <a:p>
-            <a:pPr marL="36900" indent="0">
-              <a:buNone/>
-            </a:pPr>
-            <a:r>
-              <a:rPr lang="en-GB" sz="2800" dirty="0">
-                <a:hlinkClick r:id="rId2"/>
-              </a:rPr>
-              <a:t>https://github.com/scientistproject/Scientist.net</a:t>
-            </a:r>
-            <a:endParaRPr lang="en-GB" sz="2800" dirty="0"/>
-          </a:p>
-          <a:p>
-            <a:pPr marL="36900" indent="0">
-              <a:buNone/>
-            </a:pPr>
-            <a:endParaRPr lang="en-GB" sz="2800" dirty="0"/>
-          </a:p>
-          <a:p>
-            <a:pPr marL="36900" indent="0">
-              <a:buNone/>
-            </a:pPr>
-            <a:endParaRPr lang="en-GB" sz="2800" dirty="0"/>
+          <a:lstStyle/>
+          <a:p>
+            <a:r>
+              <a:rPr lang="en-US" sz="2400" dirty="0"/>
+              <a:t>A </a:t>
+            </a:r>
+            <a:r>
+              <a:rPr lang="en-US" sz="2400" strike="sngStrike" dirty="0"/>
+              <a:t>Ruby</a:t>
+            </a:r>
+            <a:r>
+              <a:rPr lang="en-US" sz="2400" dirty="0"/>
+              <a:t> .NET library for carefully refactoring critical paths</a:t>
+            </a:r>
+            <a:endParaRPr lang="en-GB" sz="2400" dirty="0"/>
           </a:p>
         </p:txBody>
       </p:sp>
     </p:spTree>
     <p:extLst>
       <p:ext uri="{BB962C8B-B14F-4D97-AF65-F5344CB8AC3E}">
-        <p14:creationId xmlns:p14="http://schemas.microsoft.com/office/powerpoint/2010/main" val="754275495"/>
+        <p14:creationId xmlns:p14="http://schemas.microsoft.com/office/powerpoint/2010/main" val="1040637731"/>
       </p:ext>
     </p:extLst>
   </p:cSld>

--- a/Scientist.net.pptx
+++ b/Scientist.net.pptx
@@ -6039,7 +6039,7 @@
         </p:nvSpPr>
         <p:spPr>
           <a:xfrm>
-            <a:off x="1151425" y="1047565"/>
+            <a:off x="1375982" y="1025371"/>
             <a:ext cx="9440034" cy="1806607"/>
           </a:xfrm>
         </p:spPr>
@@ -7283,15 +7283,33 @@
                                   </p:childTnLst>
                                 </p:cTn>
                               </p:par>
+                            </p:childTnLst>
+                          </p:cTn>
+                        </p:par>
+                      </p:childTnLst>
+                    </p:cTn>
+                  </p:par>
+                  <p:par>
+                    <p:cTn id="11" fill="hold">
+                      <p:stCondLst>
+                        <p:cond delay="indefinite"/>
+                      </p:stCondLst>
+                      <p:childTnLst>
+                        <p:par>
+                          <p:cTn id="12" fill="hold">
+                            <p:stCondLst>
+                              <p:cond delay="0"/>
+                            </p:stCondLst>
+                            <p:childTnLst>
                               <p:par>
-                                <p:cTn id="11" presetID="1" presetClass="entr" presetSubtype="0" fill="hold" grpId="0" nodeType="withEffect">
+                                <p:cTn id="13" presetID="1" presetClass="entr" presetSubtype="0" fill="hold" grpId="0" nodeType="clickEffect">
                                   <p:stCondLst>
                                     <p:cond delay="0"/>
                                   </p:stCondLst>
                                   <p:childTnLst>
                                     <p:set>
                                       <p:cBhvr>
-                                        <p:cTn id="12" dur="1" fill="hold">
+                                        <p:cTn id="14" dur="1" fill="hold">
                                           <p:stCondLst>
                                             <p:cond delay="0"/>
                                           </p:stCondLst>
@@ -7321,26 +7339,26 @@
                     </p:cTn>
                   </p:par>
                   <p:par>
-                    <p:cTn id="13" fill="hold">
+                    <p:cTn id="15" fill="hold">
                       <p:stCondLst>
                         <p:cond delay="indefinite"/>
                       </p:stCondLst>
                       <p:childTnLst>
                         <p:par>
-                          <p:cTn id="14" fill="hold">
+                          <p:cTn id="16" fill="hold">
                             <p:stCondLst>
                               <p:cond delay="0"/>
                             </p:stCondLst>
                             <p:childTnLst>
                               <p:par>
-                                <p:cTn id="15" presetID="1" presetClass="entr" presetSubtype="0" fill="hold" grpId="0" nodeType="clickEffect">
+                                <p:cTn id="17" presetID="1" presetClass="entr" presetSubtype="0" fill="hold" grpId="0" nodeType="clickEffect">
                                   <p:stCondLst>
                                     <p:cond delay="0"/>
                                   </p:stCondLst>
                                   <p:childTnLst>
                                     <p:set>
                                       <p:cBhvr>
-                                        <p:cTn id="16" dur="1" fill="hold">
+                                        <p:cTn id="18" dur="1" fill="hold">
                                           <p:stCondLst>
                                             <p:cond delay="0"/>
                                           </p:stCondLst>
@@ -7370,26 +7388,26 @@
                     </p:cTn>
                   </p:par>
                   <p:par>
-                    <p:cTn id="17" fill="hold">
+                    <p:cTn id="19" fill="hold">
                       <p:stCondLst>
                         <p:cond delay="indefinite"/>
                       </p:stCondLst>
                       <p:childTnLst>
                         <p:par>
-                          <p:cTn id="18" fill="hold">
+                          <p:cTn id="20" fill="hold">
                             <p:stCondLst>
                               <p:cond delay="0"/>
                             </p:stCondLst>
                             <p:childTnLst>
                               <p:par>
-                                <p:cTn id="19" presetID="1" presetClass="entr" presetSubtype="0" fill="hold" grpId="0" nodeType="clickEffect">
+                                <p:cTn id="21" presetID="1" presetClass="entr" presetSubtype="0" fill="hold" grpId="0" nodeType="clickEffect">
                                   <p:stCondLst>
                                     <p:cond delay="0"/>
                                   </p:stCondLst>
                                   <p:childTnLst>
                                     <p:set>
                                       <p:cBhvr>
-                                        <p:cTn id="20" dur="1" fill="hold">
+                                        <p:cTn id="22" dur="1" fill="hold">
                                           <p:stCondLst>
                                             <p:cond delay="0"/>
                                           </p:stCondLst>
@@ -7419,26 +7437,26 @@
                     </p:cTn>
                   </p:par>
                   <p:par>
-                    <p:cTn id="21" fill="hold">
+                    <p:cTn id="23" fill="hold">
                       <p:stCondLst>
                         <p:cond delay="indefinite"/>
                       </p:stCondLst>
                       <p:childTnLst>
                         <p:par>
-                          <p:cTn id="22" fill="hold">
+                          <p:cTn id="24" fill="hold">
                             <p:stCondLst>
                               <p:cond delay="0"/>
                             </p:stCondLst>
                             <p:childTnLst>
                               <p:par>
-                                <p:cTn id="23" presetID="1" presetClass="entr" presetSubtype="0" fill="hold" grpId="0" nodeType="clickEffect">
+                                <p:cTn id="25" presetID="1" presetClass="entr" presetSubtype="0" fill="hold" grpId="0" nodeType="clickEffect">
                                   <p:stCondLst>
                                     <p:cond delay="0"/>
                                   </p:stCondLst>
                                   <p:childTnLst>
                                     <p:set>
                                       <p:cBhvr>
-                                        <p:cTn id="24" dur="1" fill="hold">
+                                        <p:cTn id="26" dur="1" fill="hold">
                                           <p:stCondLst>
                                             <p:cond delay="0"/>
                                           </p:stCondLst>
@@ -7464,26 +7482,26 @@
                     </p:cTn>
                   </p:par>
                   <p:par>
-                    <p:cTn id="25" fill="hold">
+                    <p:cTn id="27" fill="hold">
                       <p:stCondLst>
                         <p:cond delay="indefinite"/>
                       </p:stCondLst>
                       <p:childTnLst>
                         <p:par>
-                          <p:cTn id="26" fill="hold">
+                          <p:cTn id="28" fill="hold">
                             <p:stCondLst>
                               <p:cond delay="0"/>
                             </p:stCondLst>
                             <p:childTnLst>
                               <p:par>
-                                <p:cTn id="27" presetID="1" presetClass="entr" presetSubtype="0" fill="hold" grpId="0" nodeType="clickEffect">
+                                <p:cTn id="29" presetID="1" presetClass="entr" presetSubtype="0" fill="hold" grpId="0" nodeType="clickEffect">
                                   <p:stCondLst>
                                     <p:cond delay="0"/>
                                   </p:stCondLst>
                                   <p:childTnLst>
                                     <p:set>
                                       <p:cBhvr>
-                                        <p:cTn id="28" dur="1" fill="hold">
+                                        <p:cTn id="30" dur="1" fill="hold">
                                           <p:stCondLst>
                                             <p:cond delay="0"/>
                                           </p:stCondLst>
@@ -7530,7 +7548,7 @@
       </p:par>
     </p:tnLst>
     <p:bldLst>
-      <p:bldP spid="8" grpId="0" build="p"/>
+      <p:bldP spid="8" grpId="0" uiExpand="1" build="p"/>
       <p:bldP spid="9" grpId="0"/>
       <p:bldP spid="10" grpId="0"/>
     </p:bldLst>
@@ -7573,8 +7591,8 @@
         </p:nvSpPr>
         <p:spPr>
           <a:xfrm>
-            <a:off x="1151425" y="1047565"/>
-            <a:ext cx="9440034" cy="1806607"/>
+            <a:off x="1375983" y="1331651"/>
+            <a:ext cx="9440034" cy="1531399"/>
           </a:xfrm>
         </p:spPr>
         <p:txBody>
@@ -7608,7 +7626,7 @@
         </p:nvSpPr>
         <p:spPr>
           <a:xfrm>
-            <a:off x="4817615" y="4083729"/>
+            <a:off x="4817615" y="4070413"/>
             <a:ext cx="2556769" cy="1748900"/>
           </a:xfrm>
         </p:spPr>
@@ -7678,8 +7696,8 @@
         </p:nvSpPr>
         <p:spPr>
           <a:xfrm>
-            <a:off x="2345219" y="2967335"/>
-            <a:ext cx="7908383" cy="461665"/>
+            <a:off x="2598975" y="2967335"/>
+            <a:ext cx="6544933" cy="461665"/>
           </a:xfrm>
           <a:prstGeom prst="rect">
             <a:avLst/>
@@ -7693,16 +7711,10 @@
           <a:lstStyle/>
           <a:p>
             <a:r>
-              <a:rPr lang="en-US" sz="2400" dirty="0"/>
-              <a:t>A </a:t>
-            </a:r>
-            <a:r>
-              <a:rPr lang="en-US" sz="2400" strike="sngStrike" dirty="0"/>
-              <a:t>Ruby</a:t>
-            </a:r>
-            <a:r>
-              <a:rPr lang="en-US" sz="2400" dirty="0"/>
-              <a:t> .NET library for carefully refactoring critical paths</a:t>
+              <a:rPr lang="en-GB" sz="2400" dirty="0">
+                <a:hlinkClick r:id="rId4"/>
+              </a:rPr>
+              <a:t>https://github.com/scientistproject/Scientist.net</a:t>
             </a:r>
             <a:endParaRPr lang="en-GB" sz="2400" dirty="0"/>
           </a:p>
